--- a/4.DelegatesAndEvents/DelegatesAndEvents.pptx
+++ b/4.DelegatesAndEvents/DelegatesAndEvents.pptx
@@ -1597,7 +1597,7 @@
                 <a:cs typeface="Calibri"/>
                 <a:sym typeface="Calibri"/>
               </a:rPr>
-              <a:t>Пригаем в код и рассматриваем детально примеры с делегатамы,</a:t>
+              <a:t>Пригаем в код и рассматриваем детально примеры с делегатами,</a:t>
             </a:r>
             <a:br>
               <a:rPr lang="ru-RU" sz="1200" b="0" i="0" u="none" strike="noStrike" cap="none" dirty="0">
@@ -2436,7 +2436,7 @@
               </a:spcAft>
               <a:buNone/>
             </a:pPr>
-            <a:endParaRPr sz="1200" b="0" i="0" u="none" strike="noStrike" cap="none">
+            <a:endParaRPr sz="1200" b="0" i="0" u="none" strike="noStrike" cap="none" dirty="0">
               <a:solidFill>
                 <a:schemeClr val="dk1"/>
               </a:solidFill>
@@ -22070,7 +22070,7 @@
         </p:nvSpPr>
         <p:spPr>
           <a:xfrm>
-            <a:off x="698300" y="5004160"/>
+            <a:off x="698300" y="5043072"/>
             <a:ext cx="365400" cy="365400"/>
           </a:xfrm>
           <a:prstGeom prst="rect">
@@ -22103,7 +22103,7 @@
               <a:buNone/>
             </a:pPr>
             <a:r>
-              <a:rPr lang="en-US" b="1" dirty="0">
+              <a:rPr lang="ru-RU" b="1" dirty="0">
                 <a:solidFill>
                   <a:srgbClr val="CC0000"/>
                 </a:solidFill>
@@ -22112,7 +22112,7 @@
                 <a:cs typeface="Roboto"/>
                 <a:sym typeface="Roboto"/>
               </a:rPr>
-              <a:t>2</a:t>
+              <a:t>4</a:t>
             </a:r>
             <a:endParaRPr b="1" dirty="0">
               <a:solidFill>
@@ -22140,7 +22140,7 @@
         </p:nvSpPr>
         <p:spPr>
           <a:xfrm>
-            <a:off x="1339148" y="4682860"/>
+            <a:off x="1339148" y="4721772"/>
             <a:ext cx="6840900" cy="1008000"/>
           </a:xfrm>
           <a:prstGeom prst="rect">
@@ -22225,7 +22225,7 @@
         </p:nvSpPr>
         <p:spPr>
           <a:xfrm>
-            <a:off x="698300" y="5960422"/>
+            <a:off x="698300" y="5872872"/>
             <a:ext cx="365400" cy="365400"/>
           </a:xfrm>
           <a:prstGeom prst="rect">
@@ -22258,15 +22258,15 @@
               <a:buNone/>
             </a:pPr>
             <a:r>
-              <a:rPr lang="en-US" b="1">
+              <a:rPr lang="ru-RU" b="1" dirty="0">
                 <a:latin typeface="Roboto"/>
                 <a:ea typeface="Roboto"/>
                 <a:cs typeface="Roboto"/>
                 <a:sym typeface="Roboto"/>
               </a:rPr>
-              <a:t>3</a:t>
+              <a:t>5</a:t>
             </a:r>
-            <a:endParaRPr b="1">
+            <a:endParaRPr b="1" dirty="0">
               <a:latin typeface="Roboto"/>
               <a:ea typeface="Roboto"/>
               <a:cs typeface="Roboto"/>
@@ -22289,7 +22289,7 @@
         </p:nvSpPr>
         <p:spPr>
           <a:xfrm>
-            <a:off x="1339148" y="5639122"/>
+            <a:off x="1339148" y="5551572"/>
             <a:ext cx="6840900" cy="1008000"/>
           </a:xfrm>
           <a:prstGeom prst="rect">
@@ -23210,7 +23210,7 @@
         </p:nvSpPr>
         <p:spPr>
           <a:xfrm>
-            <a:off x="698300" y="5004160"/>
+            <a:off x="698300" y="5052800"/>
             <a:ext cx="365400" cy="365400"/>
           </a:xfrm>
           <a:prstGeom prst="rect">
@@ -23243,7 +23243,7 @@
               <a:buNone/>
             </a:pPr>
             <a:r>
-              <a:rPr lang="en-US" b="1" dirty="0">
+              <a:rPr lang="ru-RU" b="1" dirty="0">
                 <a:solidFill>
                   <a:srgbClr val="CC0000"/>
                 </a:solidFill>
@@ -23252,7 +23252,7 @@
                 <a:cs typeface="Roboto"/>
                 <a:sym typeface="Roboto"/>
               </a:rPr>
-              <a:t>2</a:t>
+              <a:t>4</a:t>
             </a:r>
             <a:endParaRPr b="1" dirty="0">
               <a:solidFill>
@@ -23280,7 +23280,7 @@
         </p:nvSpPr>
         <p:spPr>
           <a:xfrm>
-            <a:off x="1339148" y="4682860"/>
+            <a:off x="1339148" y="4731500"/>
             <a:ext cx="6840900" cy="1008000"/>
           </a:xfrm>
           <a:prstGeom prst="rect">
@@ -23404,7 +23404,7 @@
         </p:nvSpPr>
         <p:spPr>
           <a:xfrm>
-            <a:off x="698300" y="5960422"/>
+            <a:off x="698300" y="5970150"/>
             <a:ext cx="365400" cy="365400"/>
           </a:xfrm>
           <a:prstGeom prst="rect">
@@ -23437,15 +23437,15 @@
               <a:buNone/>
             </a:pPr>
             <a:r>
-              <a:rPr lang="en-US" b="1">
+              <a:rPr lang="ru-RU" b="1" dirty="0">
                 <a:latin typeface="Roboto"/>
                 <a:ea typeface="Roboto"/>
                 <a:cs typeface="Roboto"/>
                 <a:sym typeface="Roboto"/>
               </a:rPr>
-              <a:t>3</a:t>
+              <a:t>5</a:t>
             </a:r>
-            <a:endParaRPr b="1">
+            <a:endParaRPr b="1" dirty="0">
               <a:latin typeface="Roboto"/>
               <a:ea typeface="Roboto"/>
               <a:cs typeface="Roboto"/>
@@ -23468,7 +23468,7 @@
         </p:nvSpPr>
         <p:spPr>
           <a:xfrm>
-            <a:off x="1339148" y="5639122"/>
+            <a:off x="1339148" y="5648850"/>
             <a:ext cx="6840900" cy="1008000"/>
           </a:xfrm>
           <a:prstGeom prst="rect">
